--- a/misc/FlowChart GitHub.pptx
+++ b/misc/FlowChart GitHub.pptx
@@ -243,7 +243,7 @@
           <a:p>
             <a:fld id="{6DD7C2FB-85EF-4343-87BD-632F711013AE}" type="datetimeFigureOut">
               <a:rPr lang="nl-NL" smtClean="0"/>
-              <a:t>26-5-2023</a:t>
+              <a:t>17-7-2023</a:t>
             </a:fld>
             <a:endParaRPr lang="nl-NL"/>
           </a:p>
@@ -413,7 +413,7 @@
           <a:p>
             <a:fld id="{6DD7C2FB-85EF-4343-87BD-632F711013AE}" type="datetimeFigureOut">
               <a:rPr lang="nl-NL" smtClean="0"/>
-              <a:t>26-5-2023</a:t>
+              <a:t>17-7-2023</a:t>
             </a:fld>
             <a:endParaRPr lang="nl-NL"/>
           </a:p>
@@ -593,7 +593,7 @@
           <a:p>
             <a:fld id="{6DD7C2FB-85EF-4343-87BD-632F711013AE}" type="datetimeFigureOut">
               <a:rPr lang="nl-NL" smtClean="0"/>
-              <a:t>26-5-2023</a:t>
+              <a:t>17-7-2023</a:t>
             </a:fld>
             <a:endParaRPr lang="nl-NL"/>
           </a:p>
@@ -763,7 +763,7 @@
           <a:p>
             <a:fld id="{6DD7C2FB-85EF-4343-87BD-632F711013AE}" type="datetimeFigureOut">
               <a:rPr lang="nl-NL" smtClean="0"/>
-              <a:t>26-5-2023</a:t>
+              <a:t>17-7-2023</a:t>
             </a:fld>
             <a:endParaRPr lang="nl-NL"/>
           </a:p>
@@ -1007,7 +1007,7 @@
           <a:p>
             <a:fld id="{6DD7C2FB-85EF-4343-87BD-632F711013AE}" type="datetimeFigureOut">
               <a:rPr lang="nl-NL" smtClean="0"/>
-              <a:t>26-5-2023</a:t>
+              <a:t>17-7-2023</a:t>
             </a:fld>
             <a:endParaRPr lang="nl-NL"/>
           </a:p>
@@ -1239,7 +1239,7 @@
           <a:p>
             <a:fld id="{6DD7C2FB-85EF-4343-87BD-632F711013AE}" type="datetimeFigureOut">
               <a:rPr lang="nl-NL" smtClean="0"/>
-              <a:t>26-5-2023</a:t>
+              <a:t>17-7-2023</a:t>
             </a:fld>
             <a:endParaRPr lang="nl-NL"/>
           </a:p>
@@ -1606,7 +1606,7 @@
           <a:p>
             <a:fld id="{6DD7C2FB-85EF-4343-87BD-632F711013AE}" type="datetimeFigureOut">
               <a:rPr lang="nl-NL" smtClean="0"/>
-              <a:t>26-5-2023</a:t>
+              <a:t>17-7-2023</a:t>
             </a:fld>
             <a:endParaRPr lang="nl-NL"/>
           </a:p>
@@ -1724,7 +1724,7 @@
           <a:p>
             <a:fld id="{6DD7C2FB-85EF-4343-87BD-632F711013AE}" type="datetimeFigureOut">
               <a:rPr lang="nl-NL" smtClean="0"/>
-              <a:t>26-5-2023</a:t>
+              <a:t>17-7-2023</a:t>
             </a:fld>
             <a:endParaRPr lang="nl-NL"/>
           </a:p>
@@ -1819,7 +1819,7 @@
           <a:p>
             <a:fld id="{6DD7C2FB-85EF-4343-87BD-632F711013AE}" type="datetimeFigureOut">
               <a:rPr lang="nl-NL" smtClean="0"/>
-              <a:t>26-5-2023</a:t>
+              <a:t>17-7-2023</a:t>
             </a:fld>
             <a:endParaRPr lang="nl-NL"/>
           </a:p>
@@ -2096,7 +2096,7 @@
           <a:p>
             <a:fld id="{6DD7C2FB-85EF-4343-87BD-632F711013AE}" type="datetimeFigureOut">
               <a:rPr lang="nl-NL" smtClean="0"/>
-              <a:t>26-5-2023</a:t>
+              <a:t>17-7-2023</a:t>
             </a:fld>
             <a:endParaRPr lang="nl-NL"/>
           </a:p>
@@ -2353,7 +2353,7 @@
           <a:p>
             <a:fld id="{6DD7C2FB-85EF-4343-87BD-632F711013AE}" type="datetimeFigureOut">
               <a:rPr lang="nl-NL" smtClean="0"/>
-              <a:t>26-5-2023</a:t>
+              <a:t>17-7-2023</a:t>
             </a:fld>
             <a:endParaRPr lang="nl-NL"/>
           </a:p>
@@ -2566,7 +2566,7 @@
           <a:p>
             <a:fld id="{6DD7C2FB-85EF-4343-87BD-632F711013AE}" type="datetimeFigureOut">
               <a:rPr lang="nl-NL" smtClean="0"/>
-              <a:t>26-5-2023</a:t>
+              <a:t>17-7-2023</a:t>
             </a:fld>
             <a:endParaRPr lang="nl-NL"/>
           </a:p>
@@ -3229,7 +3229,7 @@
                 <a:ea typeface="Open Sans" pitchFamily="2" charset="0"/>
                 <a:cs typeface="Open Sans" pitchFamily="2" charset="0"/>
               </a:rPr>
-              <a:t>WAM-2Layers</a:t>
+              <a:t>WAM2layers</a:t>
             </a:r>
           </a:p>
         </p:txBody>
@@ -3627,7 +3627,7 @@
                 <a:ea typeface="Open Sans" pitchFamily="2" charset="0"/>
                 <a:cs typeface="Open Sans" pitchFamily="2" charset="0"/>
               </a:rPr>
-              <a:t>WAM-2Layers documentation?</a:t>
+              <a:t>WAM2layers documentation?</a:t>
             </a:r>
             <a:endParaRPr lang="en-GB" dirty="0">
               <a:solidFill>
@@ -4150,7 +4150,7 @@
                 <a:cs typeface="Open Sans" pitchFamily="2" charset="0"/>
                 <a:sym typeface="Wingdings" panose="05000000000000000000" pitchFamily="2" charset="2"/>
               </a:rPr>
-              <a:t> the ever-growing WAM-2Layers community under </a:t>
+              <a:t> the ever-growing WAM2layers community under </a:t>
             </a:r>
             <a:r>
               <a:rPr lang="en-GB" sz="1600" b="1" dirty="0">
@@ -4162,7 +4162,7 @@
                 <a:cs typeface="Open Sans" pitchFamily="2" charset="0"/>
                 <a:sym typeface="Wingdings" panose="05000000000000000000" pitchFamily="2" charset="2"/>
               </a:rPr>
-              <a:t>Users of WAM2Layers</a:t>
+              <a:t>Users of WAM2layers</a:t>
             </a:r>
             <a:r>
               <a:rPr lang="en-GB" sz="1600" dirty="0">
